--- a/Presentation.WikiScorer.pptx
+++ b/Presentation.WikiScorer.pptx
@@ -8,10 +8,9 @@
     <p:sldId id="256" r:id="rId2"/>
     <p:sldId id="257" r:id="rId3"/>
     <p:sldId id="258" r:id="rId4"/>
-    <p:sldId id="259" r:id="rId5"/>
-    <p:sldId id="260" r:id="rId6"/>
-    <p:sldId id="262" r:id="rId7"/>
-    <p:sldId id="261" r:id="rId8"/>
+    <p:sldId id="260" r:id="rId5"/>
+    <p:sldId id="262" r:id="rId6"/>
+    <p:sldId id="261" r:id="rId7"/>
   </p:sldIdLst>
   <p:sldSz cx="9144000" cy="6858000" type="screen4x3"/>
   <p:notesSz cx="6858000" cy="9144000"/>
@@ -3145,7 +3144,11 @@
           <a:p>
             <a:r>
               <a:rPr lang="en-US" dirty="0" smtClean="0"/>
-              <a:t>By: Raghav Bhat, Anthony </a:t>
+              <a:t>By: Raghav Bhat, </a:t>
+            </a:r>
+            <a:r>
+              <a:rPr lang="en-US" dirty="0" smtClean="0"/>
+              <a:t>David Anthony </a:t>
             </a:r>
             <a:r>
               <a:rPr lang="en-US" dirty="0" err="1" smtClean="0"/>
@@ -3153,7 +3156,19 @@
             </a:r>
             <a:r>
               <a:rPr lang="en-US" dirty="0" smtClean="0"/>
-              <a:t>, Frank Fan</a:t>
+              <a:t>, </a:t>
+            </a:r>
+            <a:r>
+              <a:rPr lang="en-US" dirty="0" smtClean="0"/>
+              <a:t>Weihang</a:t>
+            </a:r>
+            <a:r>
+              <a:rPr lang="en-US" dirty="0" smtClean="0"/>
+              <a:t> </a:t>
+            </a:r>
+            <a:r>
+              <a:rPr lang="en-US" dirty="0" smtClean="0"/>
+              <a:t>Fan</a:t>
             </a:r>
             <a:endParaRPr lang="en-US" dirty="0"/>
           </a:p>
@@ -3206,7 +3221,15 @@
           <a:p>
             <a:r>
               <a:rPr lang="en-US" dirty="0" smtClean="0"/>
-              <a:t>What?</a:t>
+              <a:t>What </a:t>
+            </a:r>
+            <a:r>
+              <a:rPr lang="en-US" dirty="0" smtClean="0"/>
+              <a:t>does it do</a:t>
+            </a:r>
+            <a:r>
+              <a:rPr lang="en-US" dirty="0" smtClean="0"/>
+              <a:t>?</a:t>
             </a:r>
             <a:endParaRPr lang="en-US" dirty="0"/>
           </a:p>
@@ -3296,7 +3319,7 @@
           <a:p>
             <a:r>
               <a:rPr lang="en-US" dirty="0" smtClean="0"/>
-              <a:t>Why</a:t>
+              <a:t>Why did we make it?</a:t>
             </a:r>
             <a:endParaRPr lang="en-US" dirty="0"/>
           </a:p>
@@ -3373,40 +3396,143 @@
         </p:nvSpPr>
         <p:spPr/>
         <p:txBody>
-          <a:bodyPr/>
-          <a:lstStyle/>
-          <a:p>
-            <a:r>
-              <a:rPr lang="en-US" dirty="0" smtClean="0"/>
-              <a:t>How</a:t>
-            </a:r>
+          <a:bodyPr>
+            <a:normAutofit/>
+          </a:bodyPr>
+          <a:lstStyle/>
+          <a:p>
+            <a:r>
+              <a:rPr lang="en-US" u="sng" dirty="0" smtClean="0"/>
+              <a:t>How we did it</a:t>
+            </a:r>
+            <a:endParaRPr lang="en-US" u="sng" dirty="0"/>
+          </a:p>
+        </p:txBody>
+      </p:sp>
+      <p:sp>
+        <p:nvSpPr>
+          <p:cNvPr id="3" name="Content Placeholder 2"/>
+          <p:cNvSpPr>
+            <a:spLocks noGrp="1"/>
+          </p:cNvSpPr>
+          <p:nvPr>
+            <p:ph sz="half" idx="1"/>
+          </p:nvPr>
+        </p:nvSpPr>
+        <p:spPr/>
+        <p:txBody>
+          <a:bodyPr anchor="ctr">
+            <a:normAutofit/>
+          </a:bodyPr>
+          <a:lstStyle/>
+          <a:p>
+            <a:r>
+              <a:rPr lang="en-US" sz="3200" dirty="0" smtClean="0"/>
+              <a:t>Fetch </a:t>
+            </a:r>
+          </a:p>
+          <a:p>
+            <a:r>
+              <a:rPr lang="en-US" sz="3200" dirty="0" smtClean="0"/>
+              <a:t>Tokenize </a:t>
+            </a:r>
+          </a:p>
+          <a:p>
+            <a:r>
+              <a:rPr lang="en-US" sz="3200" dirty="0" smtClean="0"/>
+              <a:t>Count</a:t>
+            </a:r>
+          </a:p>
+          <a:p>
+            <a:r>
+              <a:rPr lang="en-US" sz="3200" dirty="0" smtClean="0"/>
+              <a:t>Smooth</a:t>
+            </a:r>
+          </a:p>
+          <a:p>
+            <a:pPr marL="0" indent="0">
+              <a:buNone/>
+            </a:pPr>
+            <a:endParaRPr lang="en-US" dirty="0" smtClean="0"/>
+          </a:p>
+          <a:p>
+            <a:endParaRPr lang="en-US" dirty="0" smtClean="0"/>
+          </a:p>
+          <a:p>
+            <a:endParaRPr lang="en-US" dirty="0" smtClean="0"/>
+          </a:p>
+          <a:p>
+            <a:endParaRPr lang="en-US" dirty="0" smtClean="0"/>
+          </a:p>
+          <a:p>
             <a:endParaRPr lang="en-US" dirty="0"/>
           </a:p>
         </p:txBody>
       </p:sp>
       <p:sp>
         <p:nvSpPr>
-          <p:cNvPr id="3" name="Content Placeholder 2"/>
-          <p:cNvSpPr>
-            <a:spLocks noGrp="1"/>
-          </p:cNvSpPr>
-          <p:nvPr>
-            <p:ph idx="1"/>
-          </p:nvPr>
-        </p:nvSpPr>
-        <p:spPr/>
-        <p:txBody>
-          <a:bodyPr/>
-          <a:lstStyle/>
-          <a:p>
-            <a:endParaRPr lang="en-US"/>
+          <p:cNvPr id="5" name="Content Placeholder 4"/>
+          <p:cNvSpPr>
+            <a:spLocks noGrp="1"/>
+          </p:cNvSpPr>
+          <p:nvPr>
+            <p:ph sz="half" idx="2"/>
+          </p:nvPr>
+        </p:nvSpPr>
+        <p:spPr/>
+        <p:txBody>
+          <a:bodyPr>
+            <a:normAutofit/>
+          </a:bodyPr>
+          <a:lstStyle/>
+          <a:p>
+            <a:r>
+              <a:rPr lang="en-US" sz="3200" dirty="0" smtClean="0"/>
+              <a:t>Serialize</a:t>
+            </a:r>
+          </a:p>
+          <a:p>
+            <a:r>
+              <a:rPr lang="en-US" sz="3200" dirty="0" smtClean="0"/>
+              <a:t>Parse</a:t>
+            </a:r>
+          </a:p>
+          <a:p>
+            <a:r>
+              <a:rPr lang="en-US" sz="3200" dirty="0" smtClean="0"/>
+              <a:t>Score</a:t>
+            </a:r>
+          </a:p>
+          <a:p>
+            <a:r>
+              <a:rPr lang="en-US" sz="3200" dirty="0" smtClean="0"/>
+              <a:t>Front-End</a:t>
+            </a:r>
+          </a:p>
+          <a:p>
+            <a:endParaRPr lang="en-US" dirty="0"/>
+          </a:p>
+          <a:p>
+            <a:endParaRPr lang="en-US" dirty="0"/>
+          </a:p>
+          <a:p>
+            <a:endParaRPr lang="en-US" dirty="0"/>
+          </a:p>
+          <a:p>
+            <a:endParaRPr lang="en-US" dirty="0"/>
+          </a:p>
+          <a:p>
+            <a:endParaRPr lang="en-US" dirty="0"/>
+          </a:p>
+          <a:p>
+            <a:endParaRPr lang="en-US" dirty="0"/>
           </a:p>
         </p:txBody>
       </p:sp>
     </p:spTree>
     <p:extLst>
       <p:ext uri="{BB962C8B-B14F-4D97-AF65-F5344CB8AC3E}">
-        <p14:creationId xmlns:p14="http://schemas.microsoft.com/office/powerpoint/2010/main" val="3096641556"/>
+        <p14:creationId xmlns:p14="http://schemas.microsoft.com/office/powerpoint/2010/main" val="4247772744"/>
       </p:ext>
     </p:extLst>
   </p:cSld>
@@ -3446,75 +3572,75 @@
         <p:spPr/>
         <p:txBody>
           <a:bodyPr>
+            <a:normAutofit fontScale="90000"/>
+          </a:bodyPr>
+          <a:lstStyle/>
+          <a:p>
+            <a:r>
+              <a:rPr lang="en-US" dirty="0" smtClean="0"/>
+              <a:t>What Worked               To be Improved</a:t>
+            </a:r>
+            <a:endParaRPr lang="en-US" dirty="0"/>
+          </a:p>
+        </p:txBody>
+      </p:sp>
+      <p:sp>
+        <p:nvSpPr>
+          <p:cNvPr id="3" name="Content Placeholder 2"/>
+          <p:cNvSpPr>
+            <a:spLocks noGrp="1"/>
+          </p:cNvSpPr>
+          <p:nvPr>
+            <p:ph sz="half" idx="1"/>
+          </p:nvPr>
+        </p:nvSpPr>
+        <p:spPr/>
+        <p:txBody>
+          <a:bodyPr numCol="1">
             <a:normAutofit/>
           </a:bodyPr>
           <a:lstStyle/>
           <a:p>
             <a:r>
-              <a:rPr lang="en-US" u="sng" dirty="0" smtClean="0"/>
-              <a:t>How we did it</a:t>
-            </a:r>
-            <a:endParaRPr lang="en-US" u="sng" dirty="0"/>
-          </a:p>
-        </p:txBody>
-      </p:sp>
-      <p:sp>
-        <p:nvSpPr>
-          <p:cNvPr id="3" name="Content Placeholder 2"/>
-          <p:cNvSpPr>
-            <a:spLocks noGrp="1"/>
-          </p:cNvSpPr>
-          <p:nvPr>
-            <p:ph sz="half" idx="1"/>
-          </p:nvPr>
-        </p:nvSpPr>
-        <p:spPr/>
-        <p:txBody>
-          <a:bodyPr anchor="ctr">
-            <a:normAutofit/>
-          </a:bodyPr>
-          <a:lstStyle/>
-          <a:p>
-            <a:r>
-              <a:rPr lang="en-US" sz="3200" dirty="0" smtClean="0"/>
-              <a:t>Fetch </a:t>
-            </a:r>
-          </a:p>
-          <a:p>
-            <a:r>
-              <a:rPr lang="en-US" sz="3200" dirty="0" smtClean="0"/>
-              <a:t>Tokenize </a:t>
-            </a:r>
-          </a:p>
-          <a:p>
-            <a:r>
-              <a:rPr lang="en-US" sz="3200" dirty="0" smtClean="0"/>
+              <a:rPr lang="en-US" dirty="0" smtClean="0"/>
+              <a:t>Fetch</a:t>
+            </a:r>
+          </a:p>
+          <a:p>
+            <a:r>
+              <a:rPr lang="en-US" dirty="0" smtClean="0"/>
+              <a:t>Tokenize</a:t>
+            </a:r>
+          </a:p>
+          <a:p>
+            <a:r>
+              <a:rPr lang="en-US" dirty="0" smtClean="0"/>
               <a:t>Count</a:t>
             </a:r>
           </a:p>
           <a:p>
             <a:r>
-              <a:rPr lang="en-US" sz="3200" dirty="0" smtClean="0"/>
+              <a:rPr lang="en-US" dirty="0" smtClean="0"/>
               <a:t>Smooth</a:t>
             </a:r>
           </a:p>
           <a:p>
-            <a:pPr marL="0" indent="0">
-              <a:buNone/>
-            </a:pPr>
-            <a:endParaRPr lang="en-US" dirty="0" smtClean="0"/>
-          </a:p>
-          <a:p>
-            <a:endParaRPr lang="en-US" dirty="0" smtClean="0"/>
-          </a:p>
-          <a:p>
-            <a:endParaRPr lang="en-US" dirty="0" smtClean="0"/>
-          </a:p>
-          <a:p>
-            <a:endParaRPr lang="en-US" dirty="0" smtClean="0"/>
-          </a:p>
-          <a:p>
-            <a:endParaRPr lang="en-US" dirty="0"/>
+            <a:r>
+              <a:rPr lang="en-US" dirty="0" smtClean="0"/>
+              <a:t>Serialize</a:t>
+            </a:r>
+          </a:p>
+          <a:p>
+            <a:r>
+              <a:rPr lang="en-US" dirty="0" smtClean="0"/>
+              <a:t>Parse</a:t>
+            </a:r>
+          </a:p>
+          <a:p>
+            <a:r>
+              <a:rPr lang="en-US" dirty="0" smtClean="0"/>
+              <a:t>GUI</a:t>
+            </a:r>
           </a:p>
         </p:txBody>
       </p:sp>
@@ -3536,42 +3662,22 @@
           <a:lstStyle/>
           <a:p>
             <a:r>
-              <a:rPr lang="en-US" sz="3200" dirty="0" smtClean="0"/>
-              <a:t>Serialize</a:t>
-            </a:r>
-          </a:p>
-          <a:p>
-            <a:r>
-              <a:rPr lang="en-US" sz="3200" dirty="0" smtClean="0"/>
-              <a:t>Parse</a:t>
-            </a:r>
-          </a:p>
-          <a:p>
-            <a:r>
-              <a:rPr lang="en-US" sz="3200" dirty="0" smtClean="0"/>
-              <a:t>Score</a:t>
-            </a:r>
-          </a:p>
-          <a:p>
-            <a:r>
-              <a:rPr lang="en-US" sz="3200" dirty="0" smtClean="0"/>
-              <a:t>Front-End</a:t>
-            </a:r>
-          </a:p>
-          <a:p>
+              <a:rPr lang="en-US" dirty="0" smtClean="0"/>
+              <a:t>Scoring</a:t>
+            </a:r>
             <a:endParaRPr lang="en-US" dirty="0"/>
           </a:p>
           <a:p>
-            <a:endParaRPr lang="en-US" dirty="0"/>
-          </a:p>
-          <a:p>
-            <a:endParaRPr lang="en-US" dirty="0"/>
-          </a:p>
-          <a:p>
-            <a:endParaRPr lang="en-US" dirty="0"/>
-          </a:p>
-          <a:p>
-            <a:endParaRPr lang="en-US" dirty="0"/>
+            <a:r>
+              <a:rPr lang="en-US" dirty="0"/>
+              <a:t>Integration</a:t>
+            </a:r>
+          </a:p>
+          <a:p>
+            <a:r>
+              <a:rPr lang="en-US" dirty="0"/>
+              <a:t>File Format</a:t>
+            </a:r>
           </a:p>
           <a:p>
             <a:endParaRPr lang="en-US" dirty="0"/>
@@ -3581,7 +3687,7 @@
     </p:spTree>
     <p:extLst>
       <p:ext uri="{BB962C8B-B14F-4D97-AF65-F5344CB8AC3E}">
-        <p14:creationId xmlns:p14="http://schemas.microsoft.com/office/powerpoint/2010/main" val="4247772744"/>
+        <p14:creationId xmlns:p14="http://schemas.microsoft.com/office/powerpoint/2010/main" val="1367513019"/>
       </p:ext>
     </p:extLst>
   </p:cSld>
@@ -3621,168 +3727,22 @@
         <p:spPr/>
         <p:txBody>
           <a:bodyPr>
-            <a:normAutofit fontScale="90000"/>
-          </a:bodyPr>
-          <a:lstStyle/>
-          <a:p>
-            <a:r>
-              <a:rPr lang="en-US" dirty="0" smtClean="0"/>
-              <a:t>What Worked               To be Improved</a:t>
-            </a:r>
-            <a:endParaRPr lang="en-US" dirty="0"/>
-          </a:p>
-        </p:txBody>
-      </p:sp>
-      <p:sp>
-        <p:nvSpPr>
-          <p:cNvPr id="3" name="Content Placeholder 2"/>
-          <p:cNvSpPr>
-            <a:spLocks noGrp="1"/>
-          </p:cNvSpPr>
-          <p:nvPr>
-            <p:ph sz="half" idx="1"/>
-          </p:nvPr>
-        </p:nvSpPr>
-        <p:spPr/>
-        <p:txBody>
-          <a:bodyPr numCol="1">
             <a:normAutofit/>
           </a:bodyPr>
           <a:lstStyle/>
           <a:p>
             <a:r>
               <a:rPr lang="en-US" dirty="0" smtClean="0"/>
-              <a:t>Fetch</a:t>
-            </a:r>
-          </a:p>
-          <a:p>
+              <a:t>Questions</a:t>
+            </a:r>
             <a:r>
               <a:rPr lang="en-US" dirty="0" smtClean="0"/>
-              <a:t>Tokenize</a:t>
-            </a:r>
-          </a:p>
-          <a:p>
-            <a:r>
-              <a:rPr lang="en-US" dirty="0" smtClean="0"/>
-              <a:t>Count</a:t>
-            </a:r>
-          </a:p>
-          <a:p>
-            <a:r>
-              <a:rPr lang="en-US" dirty="0" smtClean="0"/>
-              <a:t>Smooth</a:t>
-            </a:r>
-          </a:p>
-          <a:p>
-            <a:r>
-              <a:rPr lang="en-US" dirty="0" smtClean="0"/>
-              <a:t>Serialize</a:t>
-            </a:r>
-          </a:p>
-          <a:p>
-            <a:r>
-              <a:rPr lang="en-US" dirty="0" smtClean="0"/>
-              <a:t>Parse</a:t>
-            </a:r>
-          </a:p>
-          <a:p>
-            <a:r>
-              <a:rPr lang="en-US" dirty="0" smtClean="0"/>
-              <a:t>GUI</a:t>
-            </a:r>
-          </a:p>
-        </p:txBody>
-      </p:sp>
-      <p:sp>
-        <p:nvSpPr>
-          <p:cNvPr id="5" name="Content Placeholder 4"/>
-          <p:cNvSpPr>
-            <a:spLocks noGrp="1"/>
-          </p:cNvSpPr>
-          <p:nvPr>
-            <p:ph sz="half" idx="2"/>
-          </p:nvPr>
-        </p:nvSpPr>
-        <p:spPr/>
-        <p:txBody>
-          <a:bodyPr>
-            <a:normAutofit/>
-          </a:bodyPr>
-          <a:lstStyle/>
-          <a:p>
-            <a:r>
-              <a:rPr lang="en-US" dirty="0" smtClean="0"/>
-              <a:t>Scoring</a:t>
-            </a:r>
-            <a:endParaRPr lang="en-US" dirty="0"/>
-          </a:p>
-          <a:p>
-            <a:r>
-              <a:rPr lang="en-US" dirty="0"/>
-              <a:t>Integration</a:t>
-            </a:r>
-          </a:p>
-          <a:p>
-            <a:r>
-              <a:rPr lang="en-US" dirty="0"/>
-              <a:t>File Format</a:t>
-            </a:r>
-          </a:p>
-          <a:p>
-            <a:endParaRPr lang="en-US" dirty="0"/>
-          </a:p>
-        </p:txBody>
-      </p:sp>
-    </p:spTree>
-    <p:extLst>
-      <p:ext uri="{BB962C8B-B14F-4D97-AF65-F5344CB8AC3E}">
-        <p14:creationId xmlns:p14="http://schemas.microsoft.com/office/powerpoint/2010/main" val="1367513019"/>
-      </p:ext>
-    </p:extLst>
-  </p:cSld>
-  <p:clrMapOvr>
-    <a:masterClrMapping/>
-  </p:clrMapOvr>
-</p:sld>
-</file>
-
-<file path=ppt/slides/slide7.xml><?xml version="1.0" encoding="utf-8"?>
-<p:sld xmlns:a="http://schemas.openxmlformats.org/drawingml/2006/main" xmlns:r="http://schemas.openxmlformats.org/officeDocument/2006/relationships" xmlns:p="http://schemas.openxmlformats.org/presentationml/2006/main">
-  <p:cSld>
-    <p:spTree>
-      <p:nvGrpSpPr>
-        <p:cNvPr id="1" name=""/>
-        <p:cNvGrpSpPr/>
-        <p:nvPr/>
-      </p:nvGrpSpPr>
-      <p:grpSpPr>
-        <a:xfrm>
-          <a:off x="0" y="0"/>
-          <a:ext cx="0" cy="0"/>
-          <a:chOff x="0" y="0"/>
-          <a:chExt cx="0" cy="0"/>
-        </a:xfrm>
-      </p:grpSpPr>
-      <p:sp>
-        <p:nvSpPr>
-          <p:cNvPr id="2" name="Title 1"/>
-          <p:cNvSpPr>
-            <a:spLocks noGrp="1"/>
-          </p:cNvSpPr>
-          <p:nvPr>
-            <p:ph type="title"/>
-          </p:nvPr>
-        </p:nvSpPr>
-        <p:spPr/>
-        <p:txBody>
-          <a:bodyPr/>
-          <a:lstStyle/>
-          <a:p>
-            <a:r>
-              <a:rPr lang="en-US" dirty="0" smtClean="0"/>
-              <a:t>Questions?</a:t>
-            </a:r>
-            <a:endParaRPr lang="en-US" dirty="0"/>
+              <a:t>? </a:t>
+            </a:r>
+            <a:endParaRPr lang="en-US" b="0" dirty="0">
+              <a:latin typeface="Times New Roman"/>
+              <a:cs typeface="Times New Roman"/>
+            </a:endParaRPr>
           </a:p>
         </p:txBody>
       </p:sp>
